--- a/deep-learning-in-practice-with-pytorch/X-jargon.pptx
+++ b/deep-learning-in-practice-with-pytorch/X-jargon.pptx
@@ -5,7 +5,7 @@
     <p:sldMasterId id="2147483648" r:id="rId1"/>
   </p:sldMasterIdLst>
   <p:notesMasterIdLst>
-    <p:notesMasterId r:id="rId15"/>
+    <p:notesMasterId r:id="rId16"/>
   </p:notesMasterIdLst>
   <p:sldIdLst>
     <p:sldId id="257" r:id="rId2"/>
@@ -21,6 +21,7 @@
     <p:sldId id="267" r:id="rId12"/>
     <p:sldId id="269" r:id="rId13"/>
     <p:sldId id="268" r:id="rId14"/>
+    <p:sldId id="405" r:id="rId15"/>
   </p:sldIdLst>
   <p:sldSz cx="12192000" cy="6858000"/>
   <p:notesSz cx="6858000" cy="9144000"/>
@@ -209,7 +210,7 @@
           <a:p>
             <a:fld id="{9A2C161E-E51F-4E13-98C0-6C32CFB01485}" type="datetimeFigureOut">
               <a:rPr lang="en-US" smtClean="0"/>
-              <a:t>12/9/2024</a:t>
+              <a:t>12/11/2024</a:t>
             </a:fld>
             <a:endParaRPr lang="en-US"/>
           </a:p>
@@ -3229,6 +3230,190 @@
     <p:extLst>
       <p:ext uri="{BB962C8B-B14F-4D97-AF65-F5344CB8AC3E}">
         <p14:creationId xmlns:p14="http://schemas.microsoft.com/office/powerpoint/2010/main" val="2714623658"/>
+      </p:ext>
+    </p:extLst>
+  </p:cSld>
+  <p:clrMapOvr>
+    <a:masterClrMapping/>
+  </p:clrMapOvr>
+</p:sld>
+</file>
+
+<file path=ppt/slides/slide14.xml><?xml version="1.0" encoding="utf-8"?>
+<p:sld xmlns:a="http://schemas.openxmlformats.org/drawingml/2006/main" xmlns:r="http://schemas.openxmlformats.org/officeDocument/2006/relationships" xmlns:p="http://schemas.openxmlformats.org/presentationml/2006/main">
+  <p:cSld>
+    <p:spTree>
+      <p:nvGrpSpPr>
+        <p:cNvPr id="1" name=""/>
+        <p:cNvGrpSpPr/>
+        <p:nvPr/>
+      </p:nvGrpSpPr>
+      <p:grpSpPr>
+        <a:xfrm>
+          <a:off x="0" y="0"/>
+          <a:ext cx="0" cy="0"/>
+          <a:chOff x="0" y="0"/>
+          <a:chExt cx="0" cy="0"/>
+        </a:xfrm>
+      </p:grpSpPr>
+      <p:sp>
+        <p:nvSpPr>
+          <p:cNvPr id="4" name="Titre 3">
+            <a:extLst>
+              <a:ext uri="{FF2B5EF4-FFF2-40B4-BE49-F238E27FC236}">
+                <a16:creationId xmlns:a16="http://schemas.microsoft.com/office/drawing/2014/main" id="{B53E8A05-42BD-489E-BF5F-958C213739DF}"/>
+              </a:ext>
+            </a:extLst>
+          </p:cNvPr>
+          <p:cNvSpPr>
+            <a:spLocks noGrp="1"/>
+          </p:cNvSpPr>
+          <p:nvPr>
+            <p:ph type="ctrTitle"/>
+          </p:nvPr>
+        </p:nvSpPr>
+        <p:spPr/>
+        <p:txBody>
+          <a:bodyPr/>
+          <a:lstStyle/>
+          <a:p>
+            <a:r>
+              <a:rPr lang="en-US" dirty="0"/>
+              <a:t>Questions?</a:t>
+            </a:r>
+          </a:p>
+        </p:txBody>
+      </p:sp>
+      <p:sp>
+        <p:nvSpPr>
+          <p:cNvPr id="5" name="Sous-titre 4">
+            <a:extLst>
+              <a:ext uri="{FF2B5EF4-FFF2-40B4-BE49-F238E27FC236}">
+                <a16:creationId xmlns:a16="http://schemas.microsoft.com/office/drawing/2014/main" id="{CEB63DBD-0FC0-4057-AC92-1717C1D0ED55}"/>
+              </a:ext>
+            </a:extLst>
+          </p:cNvPr>
+          <p:cNvSpPr>
+            <a:spLocks noGrp="1"/>
+          </p:cNvSpPr>
+          <p:nvPr>
+            <p:ph type="subTitle" idx="1"/>
+          </p:nvPr>
+        </p:nvSpPr>
+        <p:spPr/>
+        <p:txBody>
+          <a:bodyPr>
+            <a:noAutofit/>
+          </a:bodyPr>
+          <a:lstStyle/>
+          <a:p>
+            <a:r>
+              <a:rPr lang="en-US" dirty="0"/>
+              <a:t>Bibliography</a:t>
+            </a:r>
+          </a:p>
+          <a:p>
+            <a:r>
+              <a:rPr lang="en-US" sz="1400" dirty="0"/>
+              <a:t>Images and videos: unless otherwise stated, I stole them from the Internet. I hope they are not copyrighted, or that their use falls under the Fair Use clause, and if not, I am sorry. Please don’t sue me.</a:t>
+            </a:r>
+          </a:p>
+        </p:txBody>
+      </p:sp>
+      <p:pic>
+        <p:nvPicPr>
+          <p:cNvPr id="6" name="Picture 2">
+            <a:extLst>
+              <a:ext uri="{FF2B5EF4-FFF2-40B4-BE49-F238E27FC236}">
+                <a16:creationId xmlns:a16="http://schemas.microsoft.com/office/drawing/2014/main" id="{6E214693-AB7E-4C54-8D7C-0391735F7C4F}"/>
+              </a:ext>
+            </a:extLst>
+          </p:cNvPr>
+          <p:cNvPicPr>
+            <a:picLocks noChangeAspect="1" noChangeArrowheads="1"/>
+          </p:cNvPicPr>
+          <p:nvPr/>
+        </p:nvPicPr>
+        <p:blipFill rotWithShape="1">
+          <a:blip r:embed="rId2" cstate="print">
+            <a:extLst>
+              <a:ext uri="{BEBA8EAE-BF5A-486C-A8C5-ECC9F3942E4B}">
+                <a14:imgProps xmlns:a14="http://schemas.microsoft.com/office/drawing/2010/main">
+                  <a14:imgLayer r:embed="rId3">
+                    <a14:imgEffect>
+                      <a14:backgroundRemoval t="22283" b="75673" l="54554" r="90983"/>
+                    </a14:imgEffect>
+                  </a14:imgLayer>
+                </a14:imgProps>
+              </a:ext>
+              <a:ext uri="{28A0092B-C50C-407E-A947-70E740481C1C}">
+                <a14:useLocalDpi xmlns:a14="http://schemas.microsoft.com/office/drawing/2010/main" val="0"/>
+              </a:ext>
+            </a:extLst>
+          </a:blip>
+          <a:srcRect l="50000" t="15610" r="4463" b="17653"/>
+          <a:stretch/>
+        </p:blipFill>
+        <p:spPr bwMode="auto">
+          <a:xfrm>
+            <a:off x="4938382" y="1037974"/>
+            <a:ext cx="1295445" cy="884352"/>
+          </a:xfrm>
+          <a:prstGeom prst="rect">
+            <a:avLst/>
+          </a:prstGeom>
+          <a:noFill/>
+          <a:extLst>
+            <a:ext uri="{909E8E84-426E-40DD-AFC4-6F175D3DCCD1}">
+              <a14:hiddenFill xmlns:a14="http://schemas.microsoft.com/office/drawing/2010/main">
+                <a:solidFill>
+                  <a:srgbClr val="FFFFFF"/>
+                </a:solidFill>
+              </a14:hiddenFill>
+            </a:ext>
+          </a:extLst>
+        </p:spPr>
+      </p:pic>
+      <p:pic>
+        <p:nvPicPr>
+          <p:cNvPr id="7" name="Image 6">
+            <a:extLst>
+              <a:ext uri="{FF2B5EF4-FFF2-40B4-BE49-F238E27FC236}">
+                <a16:creationId xmlns:a16="http://schemas.microsoft.com/office/drawing/2014/main" id="{414D43F9-35B6-46FA-B5D4-8F2F1AA72ED1}"/>
+              </a:ext>
+            </a:extLst>
+          </p:cNvPr>
+          <p:cNvPicPr>
+            <a:picLocks noChangeAspect="1"/>
+          </p:cNvPicPr>
+          <p:nvPr/>
+        </p:nvPicPr>
+        <p:blipFill>
+          <a:blip r:embed="rId4">
+            <a:extLst>
+              <a:ext uri="{28A0092B-C50C-407E-A947-70E740481C1C}">
+                <a14:useLocalDpi xmlns:a14="http://schemas.microsoft.com/office/drawing/2010/main" val="0"/>
+              </a:ext>
+            </a:extLst>
+          </a:blip>
+          <a:stretch>
+            <a:fillRect/>
+          </a:stretch>
+        </p:blipFill>
+        <p:spPr>
+          <a:xfrm>
+            <a:off x="6383826" y="1073027"/>
+            <a:ext cx="1642424" cy="574848"/>
+          </a:xfrm>
+          <a:prstGeom prst="rect">
+            <a:avLst/>
+          </a:prstGeom>
+        </p:spPr>
+      </p:pic>
+    </p:spTree>
+    <p:extLst>
+      <p:ext uri="{BB962C8B-B14F-4D97-AF65-F5344CB8AC3E}">
+        <p14:creationId xmlns:p14="http://schemas.microsoft.com/office/powerpoint/2010/main" val="938009228"/>
       </p:ext>
     </p:extLst>
   </p:cSld>
